--- a/教學簡報/JQuery Message board .pptx
+++ b/教學簡報/JQuery Message board .pptx
@@ -10,9 +10,9 @@
   <p:sldIdLst>
     <p:sldId id="259" r:id="rId2"/>
     <p:sldId id="300" r:id="rId3"/>
-    <p:sldId id="303" r:id="rId4"/>
-    <p:sldId id="358" r:id="rId5"/>
-    <p:sldId id="369" r:id="rId6"/>
+    <p:sldId id="369" r:id="rId4"/>
+    <p:sldId id="303" r:id="rId5"/>
+    <p:sldId id="358" r:id="rId6"/>
     <p:sldId id="360" r:id="rId7"/>
     <p:sldId id="361" r:id="rId8"/>
     <p:sldId id="362" r:id="rId9"/>
@@ -131,9 +131,9 @@
         <p14:section name="JQuery 留言板" id="{89266499-6275-4E4C-AF77-6C626DBDEE61}">
           <p14:sldIdLst>
             <p14:sldId id="300"/>
+            <p14:sldId id="369"/>
             <p14:sldId id="303"/>
             <p14:sldId id="358"/>
-            <p14:sldId id="369"/>
             <p14:sldId id="360"/>
             <p14:sldId id="361"/>
             <p14:sldId id="362"/>
@@ -1198,7 +1198,7 @@
     </p:spTree>
     <p:extLst>
       <p:ext uri="{BB962C8B-B14F-4D97-AF65-F5344CB8AC3E}">
-        <p14:creationId xmlns:p14="http://schemas.microsoft.com/office/powerpoint/2010/main" val="349027444"/>
+        <p14:creationId xmlns:p14="http://schemas.microsoft.com/office/powerpoint/2010/main" val="1957957687"/>
       </p:ext>
     </p:extLst>
   </p:cSld>
@@ -1282,7 +1282,7 @@
     </p:spTree>
     <p:extLst>
       <p:ext uri="{BB962C8B-B14F-4D97-AF65-F5344CB8AC3E}">
-        <p14:creationId xmlns:p14="http://schemas.microsoft.com/office/powerpoint/2010/main" val="4005242798"/>
+        <p14:creationId xmlns:p14="http://schemas.microsoft.com/office/powerpoint/2010/main" val="349027444"/>
       </p:ext>
     </p:extLst>
   </p:cSld>
@@ -1366,7 +1366,7 @@
     </p:spTree>
     <p:extLst>
       <p:ext uri="{BB962C8B-B14F-4D97-AF65-F5344CB8AC3E}">
-        <p14:creationId xmlns:p14="http://schemas.microsoft.com/office/powerpoint/2010/main" val="1957957687"/>
+        <p14:creationId xmlns:p14="http://schemas.microsoft.com/office/powerpoint/2010/main" val="4005242798"/>
       </p:ext>
     </p:extLst>
   </p:cSld>
@@ -7658,6 +7658,78 @@
         </p:nvSpPr>
         <p:spPr>
           <a:xfrm>
+            <a:off x="0" y="3010644"/>
+            <a:ext cx="9144000" cy="836712"/>
+          </a:xfrm>
+        </p:spPr>
+        <p:txBody>
+          <a:bodyPr anchor="b">
+            <a:noAutofit/>
+          </a:bodyPr>
+          <a:lstStyle/>
+          <a:p>
+            <a:pPr algn="ctr"/>
+            <a:r>
+              <a:rPr lang="zh-TW" altLang="en-US" sz="6000" dirty="0">
+                <a:solidFill>
+                  <a:srgbClr val="0070C0"/>
+                </a:solidFill>
+                <a:latin typeface="微軟正黑體" panose="020B0604030504040204" pitchFamily="34" charset="-120"/>
+              </a:rPr>
+              <a:t>新增留言</a:t>
+            </a:r>
+            <a:endParaRPr lang="zh-TW" altLang="en-US" sz="6000" dirty="0">
+              <a:solidFill>
+                <a:srgbClr val="0070C0"/>
+              </a:solidFill>
+              <a:latin typeface="微軟正黑體" panose="020B0604030504040204" pitchFamily="34" charset="-120"/>
+              <a:ea typeface="微軟正黑體" panose="020B0604030504040204" pitchFamily="34" charset="-120"/>
+            </a:endParaRPr>
+          </a:p>
+        </p:txBody>
+      </p:sp>
+    </p:spTree>
+    <p:extLst>
+      <p:ext uri="{BB962C8B-B14F-4D97-AF65-F5344CB8AC3E}">
+        <p14:creationId xmlns:p14="http://schemas.microsoft.com/office/powerpoint/2010/main" val="609772851"/>
+      </p:ext>
+    </p:extLst>
+  </p:cSld>
+  <p:clrMapOvr>
+    <a:masterClrMapping/>
+  </p:clrMapOvr>
+</p:sld>
+</file>
+
+<file path=ppt/slides/slide4.xml><?xml version="1.0" encoding="utf-8"?>
+<p:sld xmlns:a="http://schemas.openxmlformats.org/drawingml/2006/main" xmlns:r="http://schemas.openxmlformats.org/officeDocument/2006/relationships" xmlns:p="http://schemas.openxmlformats.org/presentationml/2006/main">
+  <p:cSld>
+    <p:spTree>
+      <p:nvGrpSpPr>
+        <p:cNvPr id="1" name=""/>
+        <p:cNvGrpSpPr/>
+        <p:nvPr/>
+      </p:nvGrpSpPr>
+      <p:grpSpPr>
+        <a:xfrm>
+          <a:off x="0" y="0"/>
+          <a:ext cx="0" cy="0"/>
+          <a:chOff x="0" y="0"/>
+          <a:chExt cx="0" cy="0"/>
+        </a:xfrm>
+      </p:grpSpPr>
+      <p:sp>
+        <p:nvSpPr>
+          <p:cNvPr id="2" name="標題 1"/>
+          <p:cNvSpPr>
+            <a:spLocks noGrp="1"/>
+          </p:cNvSpPr>
+          <p:nvPr>
+            <p:ph type="title"/>
+          </p:nvPr>
+        </p:nvSpPr>
+        <p:spPr>
+          <a:xfrm>
             <a:off x="0" y="1"/>
             <a:ext cx="9144000" cy="836712"/>
           </a:xfrm>
@@ -7713,7 +7785,7 @@
         </p:blipFill>
         <p:spPr>
           <a:xfrm>
-            <a:off x="545306" y="974799"/>
+            <a:off x="545306" y="1060388"/>
             <a:ext cx="8053387" cy="5032908"/>
           </a:xfrm>
         </p:spPr>
@@ -7869,7 +7941,7 @@
 </p:sld>
 </file>
 
-<file path=ppt/slides/slide4.xml><?xml version="1.0" encoding="utf-8"?>
+<file path=ppt/slides/slide5.xml><?xml version="1.0" encoding="utf-8"?>
 <p:sld xmlns:a="http://schemas.openxmlformats.org/drawingml/2006/main" xmlns:r="http://schemas.openxmlformats.org/officeDocument/2006/relationships" xmlns:p="http://schemas.openxmlformats.org/presentationml/2006/main">
   <p:cSld>
     <p:spTree>
@@ -8272,78 +8344,6 @@
     <p:extLst>
       <p:ext uri="{BB962C8B-B14F-4D97-AF65-F5344CB8AC3E}">
         <p14:creationId xmlns:p14="http://schemas.microsoft.com/office/powerpoint/2010/main" val="2866851167"/>
-      </p:ext>
-    </p:extLst>
-  </p:cSld>
-  <p:clrMapOvr>
-    <a:masterClrMapping/>
-  </p:clrMapOvr>
-</p:sld>
-</file>
-
-<file path=ppt/slides/slide5.xml><?xml version="1.0" encoding="utf-8"?>
-<p:sld xmlns:a="http://schemas.openxmlformats.org/drawingml/2006/main" xmlns:r="http://schemas.openxmlformats.org/officeDocument/2006/relationships" xmlns:p="http://schemas.openxmlformats.org/presentationml/2006/main">
-  <p:cSld>
-    <p:spTree>
-      <p:nvGrpSpPr>
-        <p:cNvPr id="1" name=""/>
-        <p:cNvGrpSpPr/>
-        <p:nvPr/>
-      </p:nvGrpSpPr>
-      <p:grpSpPr>
-        <a:xfrm>
-          <a:off x="0" y="0"/>
-          <a:ext cx="0" cy="0"/>
-          <a:chOff x="0" y="0"/>
-          <a:chExt cx="0" cy="0"/>
-        </a:xfrm>
-      </p:grpSpPr>
-      <p:sp>
-        <p:nvSpPr>
-          <p:cNvPr id="2" name="標題 1"/>
-          <p:cNvSpPr>
-            <a:spLocks noGrp="1"/>
-          </p:cNvSpPr>
-          <p:nvPr>
-            <p:ph type="title"/>
-          </p:nvPr>
-        </p:nvSpPr>
-        <p:spPr>
-          <a:xfrm>
-            <a:off x="0" y="3010644"/>
-            <a:ext cx="9144000" cy="836712"/>
-          </a:xfrm>
-        </p:spPr>
-        <p:txBody>
-          <a:bodyPr anchor="b">
-            <a:noAutofit/>
-          </a:bodyPr>
-          <a:lstStyle/>
-          <a:p>
-            <a:pPr algn="ctr"/>
-            <a:r>
-              <a:rPr lang="zh-TW" altLang="en-US" sz="6000" dirty="0">
-                <a:solidFill>
-                  <a:srgbClr val="0070C0"/>
-                </a:solidFill>
-                <a:latin typeface="微軟正黑體" panose="020B0604030504040204" pitchFamily="34" charset="-120"/>
-              </a:rPr>
-              <a:t>新增留言</a:t>
-            </a:r>
-            <a:endParaRPr lang="zh-TW" altLang="en-US" sz="6000" dirty="0">
-              <a:solidFill>
-                <a:srgbClr val="0070C0"/>
-              </a:solidFill>
-              <a:latin typeface="微軟正黑體" panose="020B0604030504040204" pitchFamily="34" charset="-120"/>
-              <a:ea typeface="微軟正黑體" panose="020B0604030504040204" pitchFamily="34" charset="-120"/>
-            </a:endParaRPr>
-          </a:p>
-        </p:txBody>
-      </p:sp>
-    </p:spTree>
-    <p:extLst>
-      <p:ext uri="{BB962C8B-B14F-4D97-AF65-F5344CB8AC3E}">
-        <p14:creationId xmlns:p14="http://schemas.microsoft.com/office/powerpoint/2010/main" val="609772851"/>
       </p:ext>
     </p:extLst>
   </p:cSld>
@@ -8703,7 +8703,59 @@
           <a:lstStyle/>
           <a:p>
             <a:pPr algn="ctr"/>
-            <a:endParaRPr lang="zh-TW" altLang="en-US"/>
+            <a:endParaRPr lang="zh-TW" altLang="en-US" dirty="0"/>
+          </a:p>
+        </p:txBody>
+      </p:sp>
+      <p:sp>
+        <p:nvSpPr>
+          <p:cNvPr id="10" name="矩形: 圓角 8">
+            <a:extLst>
+              <a:ext uri="{FF2B5EF4-FFF2-40B4-BE49-F238E27FC236}">
+                <a16:creationId xmlns:a16="http://schemas.microsoft.com/office/drawing/2014/main" id="{28351668-4E8A-3540-B6AA-7970B3FAD9D4}"/>
+              </a:ext>
+            </a:extLst>
+          </p:cNvPr>
+          <p:cNvSpPr/>
+          <p:nvPr/>
+        </p:nvSpPr>
+        <p:spPr>
+          <a:xfrm>
+            <a:off x="2386316" y="4401136"/>
+            <a:ext cx="1224000" cy="252000"/>
+          </a:xfrm>
+          <a:prstGeom prst="roundRect">
+            <a:avLst/>
+          </a:prstGeom>
+          <a:noFill/>
+          <a:ln w="38100">
+            <a:solidFill>
+              <a:srgbClr val="FF0000"/>
+            </a:solidFill>
+          </a:ln>
+        </p:spPr>
+        <p:style>
+          <a:lnRef idx="2">
+            <a:schemeClr val="accent1">
+              <a:shade val="50000"/>
+            </a:schemeClr>
+          </a:lnRef>
+          <a:fillRef idx="1">
+            <a:schemeClr val="accent1"/>
+          </a:fillRef>
+          <a:effectRef idx="0">
+            <a:schemeClr val="accent1"/>
+          </a:effectRef>
+          <a:fontRef idx="minor">
+            <a:schemeClr val="lt1"/>
+          </a:fontRef>
+        </p:style>
+        <p:txBody>
+          <a:bodyPr rtlCol="0" anchor="ctr"/>
+          <a:lstStyle/>
+          <a:p>
+            <a:pPr algn="ctr"/>
+            <a:endParaRPr lang="zh-TW" altLang="en-US" dirty="0"/>
           </a:p>
         </p:txBody>
       </p:sp>

--- a/教學簡報/JQuery Message board .pptx
+++ b/教學簡報/JQuery Message board .pptx
@@ -256,7 +256,7 @@
             <a:fld id="{A5DCF4EA-E40D-43F8-B4CB-7F82BC812DB7}" type="datetimeFigureOut">
               <a:rPr lang="zh-TW" altLang="en-US" smtClean="0"/>
               <a:pPr/>
-              <a:t>2020/7/25</a:t>
+              <a:t>2020/12/16</a:t>
             </a:fld>
             <a:endParaRPr lang="zh-TW" altLang="en-US" dirty="0"/>
           </a:p>
@@ -1843,7 +1843,7 @@
           <a:p>
             <a:fld id="{3D8CBC75-8284-403E-92F0-16B75D676E39}" type="datetimeFigureOut">
               <a:rPr lang="zh-TW" altLang="en-US" smtClean="0"/>
-              <a:t>2020/7/25</a:t>
+              <a:t>2020/12/16</a:t>
             </a:fld>
             <a:endParaRPr lang="zh-TW" altLang="en-US"/>
           </a:p>
@@ -1971,7 +1971,7 @@
           <a:p>
             <a:fld id="{3D8CBC75-8284-403E-92F0-16B75D676E39}" type="datetimeFigureOut">
               <a:rPr lang="zh-TW" altLang="en-US" smtClean="0"/>
-              <a:t>2020/7/25</a:t>
+              <a:t>2020/12/16</a:t>
             </a:fld>
             <a:endParaRPr lang="zh-TW" altLang="en-US"/>
           </a:p>
@@ -2314,7 +2314,7 @@
           <a:p>
             <a:fld id="{3D8CBC75-8284-403E-92F0-16B75D676E39}" type="datetimeFigureOut">
               <a:rPr lang="zh-TW" altLang="en-US" smtClean="0"/>
-              <a:t>2020/7/25</a:t>
+              <a:t>2020/12/16</a:t>
             </a:fld>
             <a:endParaRPr lang="zh-TW" altLang="en-US"/>
           </a:p>
@@ -2647,7 +2647,7 @@
           <a:p>
             <a:fld id="{3D8CBC75-8284-403E-92F0-16B75D676E39}" type="datetimeFigureOut">
               <a:rPr lang="zh-TW" altLang="en-US" smtClean="0"/>
-              <a:t>2020/7/25</a:t>
+              <a:t>2020/12/16</a:t>
             </a:fld>
             <a:endParaRPr lang="zh-TW" altLang="en-US"/>
           </a:p>
@@ -3016,7 +3016,7 @@
           <a:p>
             <a:fld id="{3D8CBC75-8284-403E-92F0-16B75D676E39}" type="datetimeFigureOut">
               <a:rPr lang="zh-TW" altLang="en-US" smtClean="0"/>
-              <a:t>2020/7/25</a:t>
+              <a:t>2020/12/16</a:t>
             </a:fld>
             <a:endParaRPr lang="zh-TW" altLang="en-US"/>
           </a:p>
@@ -3239,7 +3239,7 @@
           <a:p>
             <a:fld id="{3D8CBC75-8284-403E-92F0-16B75D676E39}" type="datetimeFigureOut">
               <a:rPr lang="zh-TW" altLang="en-US" smtClean="0"/>
-              <a:t>2020/7/25</a:t>
+              <a:t>2020/12/16</a:t>
             </a:fld>
             <a:endParaRPr lang="zh-TW" altLang="en-US"/>
           </a:p>
@@ -3769,7 +3769,7 @@
           <a:p>
             <a:fld id="{3D8CBC75-8284-403E-92F0-16B75D676E39}" type="datetimeFigureOut">
               <a:rPr lang="zh-TW" altLang="en-US" smtClean="0"/>
-              <a:t>2020/7/25</a:t>
+              <a:t>2020/12/16</a:t>
             </a:fld>
             <a:endParaRPr lang="zh-TW" altLang="en-US"/>
           </a:p>
@@ -4050,7 +4050,7 @@
           <a:p>
             <a:fld id="{3D8CBC75-8284-403E-92F0-16B75D676E39}" type="datetimeFigureOut">
               <a:rPr lang="zh-TW" altLang="en-US" smtClean="0"/>
-              <a:t>2020/7/25</a:t>
+              <a:t>2020/12/16</a:t>
             </a:fld>
             <a:endParaRPr lang="zh-TW" altLang="en-US"/>
           </a:p>
@@ -4237,7 +4237,7 @@
           <a:p>
             <a:fld id="{3D8CBC75-8284-403E-92F0-16B75D676E39}" type="datetimeFigureOut">
               <a:rPr lang="zh-TW" altLang="en-US" smtClean="0"/>
-              <a:t>2020/7/25</a:t>
+              <a:t>2020/12/16</a:t>
             </a:fld>
             <a:endParaRPr lang="zh-TW" altLang="en-US"/>
           </a:p>
@@ -4639,7 +4639,7 @@
           <a:p>
             <a:fld id="{3D8CBC75-8284-403E-92F0-16B75D676E39}" type="datetimeFigureOut">
               <a:rPr lang="zh-TW" altLang="en-US" smtClean="0"/>
-              <a:t>2020/7/25</a:t>
+              <a:t>2020/12/16</a:t>
             </a:fld>
             <a:endParaRPr lang="zh-TW" altLang="en-US"/>
           </a:p>
@@ -5059,7 +5059,7 @@
           <a:p>
             <a:fld id="{3D8CBC75-8284-403E-92F0-16B75D676E39}" type="datetimeFigureOut">
               <a:rPr lang="zh-TW" altLang="en-US" smtClean="0"/>
-              <a:t>2020/7/25</a:t>
+              <a:t>2020/12/16</a:t>
             </a:fld>
             <a:endParaRPr lang="zh-TW" altLang="en-US"/>
           </a:p>
@@ -5446,7 +5446,7 @@
             <a:fld id="{3D8CBC75-8284-403E-92F0-16B75D676E39}" type="datetimeFigureOut">
               <a:rPr lang="zh-TW" altLang="en-US" smtClean="0"/>
               <a:pPr/>
-              <a:t>2020/7/25</a:t>
+              <a:t>2020/12/16</a:t>
             </a:fld>
             <a:endParaRPr lang="zh-TW" altLang="en-US" dirty="0"/>
           </a:p>
@@ -7442,7 +7442,7 @@
         <p:spPr>
           <a:xfrm>
             <a:off x="2664939" y="5435431"/>
-            <a:ext cx="3814121" cy="369332"/>
+            <a:ext cx="3870290" cy="369332"/>
           </a:xfrm>
           <a:prstGeom prst="rect">
             <a:avLst/>
@@ -7455,10 +7455,16 @@
           <a:lstStyle/>
           <a:p>
             <a:r>
-              <a:rPr lang="zh-TW" altLang="en-US" dirty="0">
+              <a:rPr lang="en" altLang="zh-TW" dirty="0">
                 <a:hlinkClick r:id="rId3"/>
               </a:rPr>
-              <a:t>https://forms.gle/NdrrW86jgbSJaeYQ7</a:t>
+              <a:t>https://forms.gle</a:t>
+            </a:r>
+            <a:r>
+              <a:rPr lang="en" altLang="zh-TW">
+                <a:hlinkClick r:id="rId3"/>
+              </a:rPr>
+              <a:t>/ffsWfSFPS2Ro7GMX6</a:t>
             </a:r>
             <a:endParaRPr lang="zh-TW" altLang="en-US" dirty="0"/>
           </a:p>
@@ -7466,7 +7472,7 @@
       </p:sp>
       <p:pic>
         <p:nvPicPr>
-          <p:cNvPr id="4098" name="Picture 2" descr="http://s04.calm9.com/qrcode/2019-10/TCTZTH0BG2.png"/>
+          <p:cNvPr id="4098" name="Picture 2"/>
           <p:cNvPicPr>
             <a:picLocks noGrp="1" noChangeAspect="1" noChangeArrowheads="1"/>
           </p:cNvPicPr>
@@ -7483,9 +7489,7 @@
             </a:extLst>
           </a:blip>
           <a:srcRect/>
-          <a:stretch>
-            <a:fillRect/>
-          </a:stretch>
+          <a:stretch/>
         </p:blipFill>
         <p:spPr bwMode="auto">
           <a:xfrm>
